--- a/report/EspacosNavegantePresentation.pptx
+++ b/report/EspacosNavegantePresentation.pptx
@@ -5,10 +5,10 @@
     <p:sldMasterId id="2147483648" r:id="rId4"/>
   </p:sldMasterIdLst>
   <p:notesMasterIdLst>
-    <p:notesMasterId r:id="rId15"/>
+    <p:notesMasterId r:id="rId16"/>
   </p:notesMasterIdLst>
   <p:handoutMasterIdLst>
-    <p:handoutMasterId r:id="rId16"/>
+    <p:handoutMasterId r:id="rId17"/>
   </p:handoutMasterIdLst>
   <p:sldIdLst>
     <p:sldId id="256" r:id="rId5"/>
@@ -20,7 +20,8 @@
     <p:sldId id="315" r:id="rId11"/>
     <p:sldId id="320" r:id="rId12"/>
     <p:sldId id="317" r:id="rId13"/>
-    <p:sldId id="321" r:id="rId14"/>
+    <p:sldId id="322" r:id="rId14"/>
+    <p:sldId id="321" r:id="rId15"/>
   </p:sldIdLst>
   <p:sldSz cx="12192000" cy="6858000"/>
   <p:notesSz cx="6858000" cy="9144000"/>
@@ -831,6 +832,90 @@
             <a:fld id="{44589826-0F05-4FD8-9B0A-9EE8C7CFAFA8}" type="slidenum">
               <a:rPr lang="en-GB" smtClean="0"/>
               <a:t>10</a:t>
+            </a:fld>
+            <a:endParaRPr lang="en-GB"/>
+          </a:p>
+        </p:txBody>
+      </p:sp>
+    </p:spTree>
+    <p:extLst>
+      <p:ext uri="{BB962C8B-B14F-4D97-AF65-F5344CB8AC3E}">
+        <p14:creationId xmlns:p14="http://schemas.microsoft.com/office/powerpoint/2010/main" val="1740988201"/>
+      </p:ext>
+    </p:extLst>
+  </p:cSld>
+  <p:clrMapOvr>
+    <a:masterClrMapping/>
+  </p:clrMapOvr>
+</p:notes>
+</file>
+
+<file path=ppt/notesSlides/notesSlide11.xml><?xml version="1.0" encoding="utf-8"?>
+<p:notes xmlns:a="http://schemas.openxmlformats.org/drawingml/2006/main" xmlns:r="http://schemas.openxmlformats.org/officeDocument/2006/relationships" xmlns:p="http://schemas.openxmlformats.org/presentationml/2006/main">
+  <p:cSld>
+    <p:spTree>
+      <p:nvGrpSpPr>
+        <p:cNvPr id="1" name=""/>
+        <p:cNvGrpSpPr/>
+        <p:nvPr/>
+      </p:nvGrpSpPr>
+      <p:grpSpPr>
+        <a:xfrm>
+          <a:off x="0" y="0"/>
+          <a:ext cx="0" cy="0"/>
+          <a:chOff x="0" y="0"/>
+          <a:chExt cx="0" cy="0"/>
+        </a:xfrm>
+      </p:grpSpPr>
+      <p:sp>
+        <p:nvSpPr>
+          <p:cNvPr id="2" name="Slide Image Placeholder 1"/>
+          <p:cNvSpPr>
+            <a:spLocks noGrp="1" noRot="1" noChangeAspect="1"/>
+          </p:cNvSpPr>
+          <p:nvPr>
+            <p:ph type="sldImg"/>
+          </p:nvPr>
+        </p:nvSpPr>
+        <p:spPr/>
+      </p:sp>
+      <p:sp>
+        <p:nvSpPr>
+          <p:cNvPr id="3" name="Notes Placeholder 2"/>
+          <p:cNvSpPr>
+            <a:spLocks noGrp="1"/>
+          </p:cNvSpPr>
+          <p:nvPr>
+            <p:ph type="body" idx="1"/>
+          </p:nvPr>
+        </p:nvSpPr>
+        <p:spPr/>
+        <p:txBody>
+          <a:bodyPr/>
+          <a:lstStyle/>
+          <a:p>
+            <a:endParaRPr lang="en-GB" dirty="0"/>
+          </a:p>
+        </p:txBody>
+      </p:sp>
+      <p:sp>
+        <p:nvSpPr>
+          <p:cNvPr id="4" name="Slide Number Placeholder 3"/>
+          <p:cNvSpPr>
+            <a:spLocks noGrp="1"/>
+          </p:cNvSpPr>
+          <p:nvPr>
+            <p:ph type="sldNum" sz="quarter" idx="5"/>
+          </p:nvPr>
+        </p:nvSpPr>
+        <p:spPr/>
+        <p:txBody>
+          <a:bodyPr/>
+          <a:lstStyle/>
+          <a:p>
+            <a:fld id="{44589826-0F05-4FD8-9B0A-9EE8C7CFAFA8}" type="slidenum">
+              <a:rPr lang="en-GB" smtClean="0"/>
+              <a:t>11</a:t>
             </a:fld>
             <a:endParaRPr lang="en-GB"/>
           </a:p>
@@ -5432,7 +5517,7 @@
             </a:r>
             <a:r>
               <a:rPr lang="en-US" sz="1200" dirty="0"/>
-              <a:t> in the Lisbon Metropolitan Area</a:t>
+              <a:t> in the Lisbon Metropolitan Area	</a:t>
             </a:r>
             <a:endParaRPr lang="nl-NL" sz="1200" dirty="0"/>
           </a:p>
@@ -5487,6 +5572,324 @@
           <a:p>
             <a:r>
               <a:rPr lang="en-US" sz="4000" dirty="0"/>
+              <a:t>GitHub Repository</a:t>
+            </a:r>
+          </a:p>
+        </p:txBody>
+      </p:sp>
+      <p:pic>
+        <p:nvPicPr>
+          <p:cNvPr id="3" name="Picture 2">
+            <a:extLst>
+              <a:ext uri="{FF2B5EF4-FFF2-40B4-BE49-F238E27FC236}">
+                <a16:creationId xmlns:a16="http://schemas.microsoft.com/office/drawing/2014/main" id="{E758D826-C081-7EC1-F178-8173DD700062}"/>
+              </a:ext>
+            </a:extLst>
+          </p:cNvPr>
+          <p:cNvPicPr>
+            <a:picLocks noChangeAspect="1"/>
+          </p:cNvPicPr>
+          <p:nvPr/>
+        </p:nvPicPr>
+        <p:blipFill>
+          <a:blip r:embed="rId4"/>
+          <a:stretch>
+            <a:fillRect/>
+          </a:stretch>
+        </p:blipFill>
+        <p:spPr>
+          <a:xfrm>
+            <a:off x="5143500" y="2476500"/>
+            <a:ext cx="1905000" cy="1905000"/>
+          </a:xfrm>
+          <a:prstGeom prst="rect">
+            <a:avLst/>
+          </a:prstGeom>
+        </p:spPr>
+      </p:pic>
+      <p:pic>
+        <p:nvPicPr>
+          <p:cNvPr id="6" name="Picture 5">
+            <a:extLst>
+              <a:ext uri="{FF2B5EF4-FFF2-40B4-BE49-F238E27FC236}">
+                <a16:creationId xmlns:a16="http://schemas.microsoft.com/office/drawing/2014/main" id="{710A9698-6D80-A086-D259-AD54BAF507F3}"/>
+              </a:ext>
+            </a:extLst>
+          </p:cNvPr>
+          <p:cNvPicPr>
+            <a:picLocks noChangeAspect="1"/>
+          </p:cNvPicPr>
+          <p:nvPr/>
+        </p:nvPicPr>
+        <p:blipFill>
+          <a:blip r:embed="rId5"/>
+          <a:stretch>
+            <a:fillRect/>
+          </a:stretch>
+        </p:blipFill>
+        <p:spPr>
+          <a:xfrm>
+            <a:off x="4261634" y="1486245"/>
+            <a:ext cx="4297680" cy="4297680"/>
+          </a:xfrm>
+          <a:prstGeom prst="rect">
+            <a:avLst/>
+          </a:prstGeom>
+        </p:spPr>
+      </p:pic>
+      <p:pic>
+        <p:nvPicPr>
+          <p:cNvPr id="1026" name="Picture 2" descr="GitHub - Wikipedia">
+            <a:extLst>
+              <a:ext uri="{FF2B5EF4-FFF2-40B4-BE49-F238E27FC236}">
+                <a16:creationId xmlns:a16="http://schemas.microsoft.com/office/drawing/2014/main" id="{3BED91CA-AD38-B6FB-5FBB-549C96235A5A}"/>
+              </a:ext>
+            </a:extLst>
+          </p:cNvPr>
+          <p:cNvPicPr>
+            <a:picLocks noChangeAspect="1" noChangeArrowheads="1"/>
+          </p:cNvPicPr>
+          <p:nvPr/>
+        </p:nvPicPr>
+        <p:blipFill>
+          <a:blip r:embed="rId6">
+            <a:extLst>
+              <a:ext uri="{28A0092B-C50C-407E-A947-70E740481C1C}">
+                <a14:useLocalDpi xmlns:a14="http://schemas.microsoft.com/office/drawing/2010/main" val="0"/>
+              </a:ext>
+            </a:extLst>
+          </a:blip>
+          <a:srcRect/>
+          <a:stretch>
+            <a:fillRect/>
+          </a:stretch>
+        </p:blipFill>
+        <p:spPr bwMode="auto">
+          <a:xfrm>
+            <a:off x="1153886" y="2084614"/>
+            <a:ext cx="2296886" cy="2296886"/>
+          </a:xfrm>
+          <a:prstGeom prst="rect">
+            <a:avLst/>
+          </a:prstGeom>
+          <a:noFill/>
+          <a:extLst>
+            <a:ext uri="{909E8E84-426E-40DD-AFC4-6F175D3DCCD1}">
+              <a14:hiddenFill xmlns:a14="http://schemas.microsoft.com/office/drawing/2010/main">
+                <a:solidFill>
+                  <a:srgbClr val="FFFFFF"/>
+                </a:solidFill>
+              </a14:hiddenFill>
+            </a:ext>
+          </a:extLst>
+        </p:spPr>
+      </p:pic>
+    </p:spTree>
+    <p:extLst>
+      <p:ext uri="{BB962C8B-B14F-4D97-AF65-F5344CB8AC3E}">
+        <p14:creationId xmlns:p14="http://schemas.microsoft.com/office/powerpoint/2010/main" val="3085453146"/>
+      </p:ext>
+    </p:extLst>
+  </p:cSld>
+  <p:clrMapOvr>
+    <a:masterClrMapping/>
+  </p:clrMapOvr>
+</p:sld>
+</file>
+
+<file path=ppt/slides/slide11.xml><?xml version="1.0" encoding="utf-8"?>
+<p:sld xmlns:a="http://schemas.openxmlformats.org/drawingml/2006/main" xmlns:r="http://schemas.openxmlformats.org/officeDocument/2006/relationships" xmlns:p="http://schemas.openxmlformats.org/presentationml/2006/main">
+  <p:cSld>
+    <p:spTree>
+      <p:nvGrpSpPr>
+        <p:cNvPr id="1" name=""/>
+        <p:cNvGrpSpPr/>
+        <p:nvPr/>
+      </p:nvGrpSpPr>
+      <p:grpSpPr>
+        <a:xfrm>
+          <a:off x="0" y="0"/>
+          <a:ext cx="0" cy="0"/>
+          <a:chOff x="0" y="0"/>
+          <a:chExt cx="0" cy="0"/>
+        </a:xfrm>
+      </p:grpSpPr>
+      <p:pic>
+        <p:nvPicPr>
+          <p:cNvPr id="4" name="Picture 3">
+            <a:extLst>
+              <a:ext uri="{FF2B5EF4-FFF2-40B4-BE49-F238E27FC236}">
+                <a16:creationId xmlns:a16="http://schemas.microsoft.com/office/drawing/2014/main" id="{6B257068-620C-492F-9F3F-C0154AFCD81F}"/>
+              </a:ext>
+            </a:extLst>
+          </p:cNvPr>
+          <p:cNvPicPr>
+            <a:picLocks noChangeAspect="1"/>
+          </p:cNvPicPr>
+          <p:nvPr/>
+        </p:nvPicPr>
+        <p:blipFill>
+          <a:blip r:embed="rId3">
+            <a:extLst>
+              <a:ext uri="{28A0092B-C50C-407E-A947-70E740481C1C}">
+                <a14:useLocalDpi xmlns:a14="http://schemas.microsoft.com/office/drawing/2010/main" val="0"/>
+              </a:ext>
+            </a:extLst>
+          </a:blip>
+          <a:srcRect/>
+          <a:stretch>
+            <a:fillRect/>
+          </a:stretch>
+        </p:blipFill>
+        <p:spPr bwMode="auto">
+          <a:xfrm>
+            <a:off x="10884" y="6079716"/>
+            <a:ext cx="837615" cy="778284"/>
+          </a:xfrm>
+          <a:prstGeom prst="rect">
+            <a:avLst/>
+          </a:prstGeom>
+          <a:solidFill>
+            <a:srgbClr val="E30B00"/>
+          </a:solidFill>
+          <a:ln>
+            <a:noFill/>
+          </a:ln>
+        </p:spPr>
+      </p:pic>
+      <p:sp>
+        <p:nvSpPr>
+          <p:cNvPr id="5" name="Rectangle 4">
+            <a:extLst>
+              <a:ext uri="{FF2B5EF4-FFF2-40B4-BE49-F238E27FC236}">
+                <a16:creationId xmlns:a16="http://schemas.microsoft.com/office/drawing/2014/main" id="{A70DAE1E-BAA0-4B9C-897D-577692B3F1E5}"/>
+              </a:ext>
+            </a:extLst>
+          </p:cNvPr>
+          <p:cNvSpPr/>
+          <p:nvPr/>
+        </p:nvSpPr>
+        <p:spPr>
+          <a:xfrm>
+            <a:off x="694267" y="6213323"/>
+            <a:ext cx="11432417" cy="329293"/>
+          </a:xfrm>
+          <a:prstGeom prst="rect">
+            <a:avLst/>
+          </a:prstGeom>
+          <a:solidFill>
+            <a:srgbClr val="EE403D"/>
+          </a:solidFill>
+          <a:ln>
+            <a:noFill/>
+          </a:ln>
+        </p:spPr>
+        <p:style>
+          <a:lnRef idx="2">
+            <a:schemeClr val="accent1">
+              <a:shade val="50000"/>
+            </a:schemeClr>
+          </a:lnRef>
+          <a:fillRef idx="1">
+            <a:schemeClr val="accent1"/>
+          </a:fillRef>
+          <a:effectRef idx="0">
+            <a:schemeClr val="accent1"/>
+          </a:effectRef>
+          <a:fontRef idx="minor">
+            <a:schemeClr val="lt1"/>
+          </a:fontRef>
+        </p:style>
+        <p:txBody>
+          <a:bodyPr rot="0" spcFirstLastPara="0" vert="horz" wrap="square" lIns="91440" tIns="45720" rIns="91440" bIns="46800" numCol="1" spcCol="0" rtlCol="0" fromWordArt="0" anchor="ctr" anchorCtr="0" forceAA="0" compatLnSpc="1">
+            <a:prstTxWarp prst="textNoShape">
+              <a:avLst/>
+            </a:prstTxWarp>
+            <a:noAutofit/>
+          </a:bodyPr>
+          <a:lstStyle/>
+          <a:p>
+            <a:r>
+              <a:rPr lang="en-US" sz="1200" dirty="0"/>
+              <a:t>    Big Data Tools and Analytics					Best </a:t>
+            </a:r>
+            <a:r>
+              <a:rPr lang="en-US" sz="1200" dirty="0" err="1"/>
+              <a:t>Carris</a:t>
+            </a:r>
+            <a:r>
+              <a:rPr lang="en-US" sz="1200" dirty="0"/>
+              <a:t> </a:t>
+            </a:r>
+            <a:r>
+              <a:rPr lang="en-US" sz="1200" dirty="0" err="1"/>
+              <a:t>Espaço</a:t>
+            </a:r>
+            <a:r>
+              <a:rPr lang="en-US" sz="1200" dirty="0"/>
+              <a:t> </a:t>
+            </a:r>
+            <a:r>
+              <a:rPr lang="en-US" sz="1200" dirty="0" err="1"/>
+              <a:t>Navegante</a:t>
+            </a:r>
+            <a:r>
+              <a:rPr lang="en-US" sz="1200" dirty="0"/>
+              <a:t> in the Lisbon Metropolitan Area</a:t>
+            </a:r>
+            <a:endParaRPr lang="nl-NL" sz="1200" dirty="0"/>
+          </a:p>
+        </p:txBody>
+      </p:sp>
+      <p:sp>
+        <p:nvSpPr>
+          <p:cNvPr id="10" name="Title 1">
+            <a:extLst>
+              <a:ext uri="{FF2B5EF4-FFF2-40B4-BE49-F238E27FC236}">
+                <a16:creationId xmlns:a16="http://schemas.microsoft.com/office/drawing/2014/main" id="{B7CEA0FA-18FD-F71B-066F-F00E6F5E2313}"/>
+              </a:ext>
+            </a:extLst>
+          </p:cNvPr>
+          <p:cNvSpPr txBox="1">
+            <a:spLocks/>
+          </p:cNvSpPr>
+          <p:nvPr/>
+        </p:nvSpPr>
+        <p:spPr>
+          <a:xfrm>
+            <a:off x="4186454" y="315384"/>
+            <a:ext cx="4448041" cy="741463"/>
+          </a:xfrm>
+          <a:prstGeom prst="rect">
+            <a:avLst/>
+          </a:prstGeom>
+        </p:spPr>
+        <p:txBody>
+          <a:bodyPr vert="horz" lIns="91440" tIns="45720" rIns="91440" bIns="45720" rtlCol="0" anchor="b">
+            <a:normAutofit/>
+          </a:bodyPr>
+          <a:lstStyle>
+            <a:lvl1pPr algn="ctr" defTabSz="914400" rtl="0" eaLnBrk="1" latinLnBrk="0" hangingPunct="1">
+              <a:lnSpc>
+                <a:spcPct val="90000"/>
+              </a:lnSpc>
+              <a:spcBef>
+                <a:spcPct val="0"/>
+              </a:spcBef>
+              <a:buNone/>
+              <a:defRPr sz="6000" kern="1200">
+                <a:solidFill>
+                  <a:schemeClr val="tx1"/>
+                </a:solidFill>
+                <a:latin typeface="+mj-lt"/>
+                <a:ea typeface="+mj-ea"/>
+                <a:cs typeface="+mj-cs"/>
+              </a:defRPr>
+            </a:lvl1pPr>
+          </a:lstStyle>
+          <a:p>
+            <a:r>
+              <a:rPr lang="en-US" sz="4000" dirty="0"/>
               <a:t>References</a:t>
             </a:r>
           </a:p>
@@ -5555,15 +5958,8 @@
             </a:pPr>
             <a:r>
               <a:rPr lang="it-IT" sz="3600" dirty="0"/>
-              <a:t>Carris Metropolitana. (2024). Carris Metropolitana API (Beta). GitHub. </a:t>
-            </a:r>
-            <a:r>
-              <a:rPr lang="it-IT" sz="3600" dirty="0">
-                <a:hlinkClick r:id="rId4"/>
-              </a:rPr>
-              <a:t>https://github.com/carrismetropolitana/api</a:t>
-            </a:r>
-            <a:endParaRPr lang="it-IT" sz="3600" dirty="0"/>
+              <a:t>Carris Metropolitana. (2024). Carris Metropolitana API (Beta). GitHub. https://github.com/carrismetropolitana/api</a:t>
+            </a:r>
           </a:p>
           <a:p>
             <a:pPr marL="571500" indent="-571500" algn="l">
@@ -8991,14 +9387,33 @@
 </a:theme>
 </file>
 
+<file path=ppt/webextensions/taskpanes.xml><?xml version="1.0" encoding="utf-8"?>
+<wetp:taskpanes xmlns:wetp="http://schemas.microsoft.com/office/webextensions/taskpanes/2010/11">
+  <wetp:taskpane dockstate="right" visibility="0" width="525" row="1">
+    <wetp:webextensionref xmlns:r="http://schemas.openxmlformats.org/officeDocument/2006/relationships" r:id="rId1"/>
+  </wetp:taskpane>
+</wetp:taskpanes>
+</file>
+
+<file path=ppt/webextensions/webextension1.xml><?xml version="1.0" encoding="utf-8"?>
+<we:webextension xmlns:we="http://schemas.microsoft.com/office/webextensions/webextension/2010/11" id="{8F88FFB5-58F7-4F51-A5E7-0DDBAA0E2B54}">
+  <we:reference id="wa200003220" version="1.0.0.0" store="en-US" storeType="OMEX"/>
+  <we:alternateReferences>
+    <we:reference id="WA200003220" version="1.0.0.0" store="WA200003220" storeType="OMEX"/>
+  </we:alternateReferences>
+  <we:properties/>
+  <we:bindings/>
+  <we:snapshot xmlns:r="http://schemas.openxmlformats.org/officeDocument/2006/relationships"/>
+</we:webextension>
+</file>
+
 <file path=customXml/item1.xml><?xml version="1.0" encoding="utf-8"?>
-<p:properties xmlns:p="http://schemas.microsoft.com/office/2006/metadata/properties" xmlns:xsi="http://www.w3.org/2001/XMLSchema-instance" xmlns:pc="http://schemas.microsoft.com/office/infopath/2007/PartnerControls">
-  <documentManagement>
-    <lcf76f155ced4ddcb4097134ff3c332f xmlns="37e049a0-3925-4f46-a490-af295299e38b">
-      <Terms xmlns="http://schemas.microsoft.com/office/infopath/2007/PartnerControls"/>
-    </lcf76f155ced4ddcb4097134ff3c332f>
-  </documentManagement>
-</p:properties>
+<?mso-contentType ?>
+<FormTemplates xmlns="http://schemas.microsoft.com/sharepoint/v3/contenttype/forms">
+  <Display>DocumentLibraryForm</Display>
+  <Edit>DocumentLibraryForm</Edit>
+  <New>DocumentLibraryForm</New>
+</FormTemplates>
 </file>
 
 <file path=customXml/item2.xml><?xml version="1.0" encoding="utf-8"?>
@@ -9162,27 +9577,19 @@
 </file>
 
 <file path=customXml/item3.xml><?xml version="1.0" encoding="utf-8"?>
-<?mso-contentType ?>
-<FormTemplates xmlns="http://schemas.microsoft.com/sharepoint/v3/contenttype/forms">
-  <Display>DocumentLibraryForm</Display>
-  <Edit>DocumentLibraryForm</Edit>
-  <New>DocumentLibraryForm</New>
-</FormTemplates>
+<p:properties xmlns:p="http://schemas.microsoft.com/office/2006/metadata/properties" xmlns:xsi="http://www.w3.org/2001/XMLSchema-instance" xmlns:pc="http://schemas.microsoft.com/office/infopath/2007/PartnerControls">
+  <documentManagement>
+    <lcf76f155ced4ddcb4097134ff3c332f xmlns="37e049a0-3925-4f46-a490-af295299e38b">
+      <Terms xmlns="http://schemas.microsoft.com/office/infopath/2007/PartnerControls"/>
+    </lcf76f155ced4ddcb4097134ff3c332f>
+  </documentManagement>
+</p:properties>
 </file>
 
 <file path=customXml/itemProps1.xml><?xml version="1.0" encoding="utf-8"?>
-<ds:datastoreItem xmlns:ds="http://schemas.openxmlformats.org/officeDocument/2006/customXml" ds:itemID="{1AAE8C41-1AFF-4D0F-B770-0540019AB958}">
+<ds:datastoreItem xmlns:ds="http://schemas.openxmlformats.org/officeDocument/2006/customXml" ds:itemID="{6455ACD3-B08C-4651-86AE-0A6F8BA8578B}">
   <ds:schemaRefs>
-    <ds:schemaRef ds:uri="37e049a0-3925-4f46-a490-af295299e38b"/>
-    <ds:schemaRef ds:uri="5738ca4f-a0f1-4117-8d5a-88f5cba9b25d"/>
-    <ds:schemaRef ds:uri="http://purl.org/dc/dcmitype/"/>
-    <ds:schemaRef ds:uri="http://purl.org/dc/elements/1.1/"/>
-    <ds:schemaRef ds:uri="http://purl.org/dc/terms/"/>
-    <ds:schemaRef ds:uri="http://schemas.microsoft.com/office/2006/documentManagement/types"/>
-    <ds:schemaRef ds:uri="http://schemas.microsoft.com/office/2006/metadata/properties"/>
-    <ds:schemaRef ds:uri="http://schemas.microsoft.com/office/infopath/2007/PartnerControls"/>
-    <ds:schemaRef ds:uri="http://schemas.openxmlformats.org/package/2006/metadata/core-properties"/>
-    <ds:schemaRef ds:uri="http://www.w3.org/XML/1998/namespace"/>
+    <ds:schemaRef ds:uri="http://schemas.microsoft.com/sharepoint/v3/contenttype/forms"/>
   </ds:schemaRefs>
 </ds:datastoreItem>
 </file>
@@ -9206,9 +9613,18 @@
 </file>
 
 <file path=customXml/itemProps3.xml><?xml version="1.0" encoding="utf-8"?>
-<ds:datastoreItem xmlns:ds="http://schemas.openxmlformats.org/officeDocument/2006/customXml" ds:itemID="{6455ACD3-B08C-4651-86AE-0A6F8BA8578B}">
+<ds:datastoreItem xmlns:ds="http://schemas.openxmlformats.org/officeDocument/2006/customXml" ds:itemID="{1AAE8C41-1AFF-4D0F-B770-0540019AB958}">
   <ds:schemaRefs>
-    <ds:schemaRef ds:uri="http://schemas.microsoft.com/sharepoint/v3/contenttype/forms"/>
+    <ds:schemaRef ds:uri="37e049a0-3925-4f46-a490-af295299e38b"/>
+    <ds:schemaRef ds:uri="5738ca4f-a0f1-4117-8d5a-88f5cba9b25d"/>
+    <ds:schemaRef ds:uri="http://purl.org/dc/dcmitype/"/>
+    <ds:schemaRef ds:uri="http://purl.org/dc/elements/1.1/"/>
+    <ds:schemaRef ds:uri="http://purl.org/dc/terms/"/>
+    <ds:schemaRef ds:uri="http://schemas.microsoft.com/office/2006/documentManagement/types"/>
+    <ds:schemaRef ds:uri="http://schemas.microsoft.com/office/2006/metadata/properties"/>
+    <ds:schemaRef ds:uri="http://schemas.microsoft.com/office/infopath/2007/PartnerControls"/>
+    <ds:schemaRef ds:uri="http://schemas.openxmlformats.org/package/2006/metadata/core-properties"/>
+    <ds:schemaRef ds:uri="http://www.w3.org/XML/1998/namespace"/>
   </ds:schemaRefs>
 </ds:datastoreItem>
 </file>
--- a/report/EspacosNavegantePresentation.pptx
+++ b/report/EspacosNavegantePresentation.pptx
@@ -237,7 +237,7 @@
           <a:p>
             <a:fld id="{23FAEBD0-BE08-4F22-9831-82EE1B9BFEE2}" type="datetimeFigureOut">
               <a:rPr lang="en-US" smtClean="0"/>
-              <a:t>3/18/2024</a:t>
+              <a:t>3/20/2024</a:t>
             </a:fld>
             <a:endParaRPr lang="en-US"/>
           </a:p>
@@ -414,7 +414,7 @@
           <a:p>
             <a:fld id="{96003991-2FD5-443C-BCEA-615ABA4CB23E}" type="datetimeFigureOut">
               <a:rPr lang="en-GB" smtClean="0"/>
-              <a:t>18/03/2024</a:t>
+              <a:t>20/03/2024</a:t>
             </a:fld>
             <a:endParaRPr lang="en-GB"/>
           </a:p>
@@ -1755,7 +1755,7 @@
           <a:p>
             <a:fld id="{567D5946-1916-4015-AFFF-0D13F5096C8B}" type="datetimeFigureOut">
               <a:rPr lang="en-GB" smtClean="0"/>
-              <a:t>18/03/2024</a:t>
+              <a:t>20/03/2024</a:t>
             </a:fld>
             <a:endParaRPr lang="en-GB"/>
           </a:p>
@@ -1955,7 +1955,7 @@
           <a:p>
             <a:fld id="{567D5946-1916-4015-AFFF-0D13F5096C8B}" type="datetimeFigureOut">
               <a:rPr lang="en-GB" smtClean="0"/>
-              <a:t>18/03/2024</a:t>
+              <a:t>20/03/2024</a:t>
             </a:fld>
             <a:endParaRPr lang="en-GB"/>
           </a:p>
@@ -2165,7 +2165,7 @@
           <a:p>
             <a:fld id="{567D5946-1916-4015-AFFF-0D13F5096C8B}" type="datetimeFigureOut">
               <a:rPr lang="en-GB" smtClean="0"/>
-              <a:t>18/03/2024</a:t>
+              <a:t>20/03/2024</a:t>
             </a:fld>
             <a:endParaRPr lang="en-GB"/>
           </a:p>
@@ -2899,7 +2899,7 @@
           <a:p>
             <a:fld id="{567D5946-1916-4015-AFFF-0D13F5096C8B}" type="datetimeFigureOut">
               <a:rPr lang="en-GB" smtClean="0"/>
-              <a:t>18/03/2024</a:t>
+              <a:t>20/03/2024</a:t>
             </a:fld>
             <a:endParaRPr lang="en-GB"/>
           </a:p>
@@ -3167,7 +3167,7 @@
           <a:p>
             <a:fld id="{567D5946-1916-4015-AFFF-0D13F5096C8B}" type="datetimeFigureOut">
               <a:rPr lang="en-GB" smtClean="0"/>
-              <a:t>18/03/2024</a:t>
+              <a:t>20/03/2024</a:t>
             </a:fld>
             <a:endParaRPr lang="en-GB"/>
           </a:p>
@@ -3582,7 +3582,7 @@
           <a:p>
             <a:fld id="{567D5946-1916-4015-AFFF-0D13F5096C8B}" type="datetimeFigureOut">
               <a:rPr lang="en-GB" smtClean="0"/>
-              <a:t>18/03/2024</a:t>
+              <a:t>20/03/2024</a:t>
             </a:fld>
             <a:endParaRPr lang="en-GB"/>
           </a:p>
@@ -3724,7 +3724,7 @@
           <a:p>
             <a:fld id="{567D5946-1916-4015-AFFF-0D13F5096C8B}" type="datetimeFigureOut">
               <a:rPr lang="en-GB" smtClean="0"/>
-              <a:t>18/03/2024</a:t>
+              <a:t>20/03/2024</a:t>
             </a:fld>
             <a:endParaRPr lang="en-GB"/>
           </a:p>
@@ -3837,7 +3837,7 @@
           <a:p>
             <a:fld id="{567D5946-1916-4015-AFFF-0D13F5096C8B}" type="datetimeFigureOut">
               <a:rPr lang="en-GB" smtClean="0"/>
-              <a:t>18/03/2024</a:t>
+              <a:t>20/03/2024</a:t>
             </a:fld>
             <a:endParaRPr lang="en-GB"/>
           </a:p>
@@ -4150,7 +4150,7 @@
           <a:p>
             <a:fld id="{567D5946-1916-4015-AFFF-0D13F5096C8B}" type="datetimeFigureOut">
               <a:rPr lang="en-GB" smtClean="0"/>
-              <a:t>18/03/2024</a:t>
+              <a:t>20/03/2024</a:t>
             </a:fld>
             <a:endParaRPr lang="en-GB"/>
           </a:p>
@@ -4439,7 +4439,7 @@
           <a:p>
             <a:fld id="{567D5946-1916-4015-AFFF-0D13F5096C8B}" type="datetimeFigureOut">
               <a:rPr lang="en-GB" smtClean="0"/>
-              <a:t>18/03/2024</a:t>
+              <a:t>20/03/2024</a:t>
             </a:fld>
             <a:endParaRPr lang="en-GB"/>
           </a:p>
@@ -4682,7 +4682,7 @@
           <a:p>
             <a:fld id="{567D5946-1916-4015-AFFF-0D13F5096C8B}" type="datetimeFigureOut">
               <a:rPr lang="en-GB" smtClean="0"/>
-              <a:t>18/03/2024</a:t>
+              <a:t>20/03/2024</a:t>
             </a:fld>
             <a:endParaRPr lang="en-GB"/>
           </a:p>
